--- a/Presentation.pptx
+++ b/Presentation.pptx
@@ -5,7 +5,7 @@
     <p:sldMasterId id="2147483696" r:id="rId1"/>
   </p:sldMasterIdLst>
   <p:notesMasterIdLst>
-    <p:notesMasterId r:id="rId13"/>
+    <p:notesMasterId r:id="rId17"/>
   </p:notesMasterIdLst>
   <p:sldIdLst>
     <p:sldId id="256" r:id="rId2"/>
@@ -18,7 +18,11 @@
     <p:sldId id="264" r:id="rId9"/>
     <p:sldId id="257" r:id="rId10"/>
     <p:sldId id="266" r:id="rId11"/>
-    <p:sldId id="265" r:id="rId12"/>
+    <p:sldId id="269" r:id="rId12"/>
+    <p:sldId id="270" r:id="rId13"/>
+    <p:sldId id="267" r:id="rId14"/>
+    <p:sldId id="268" r:id="rId15"/>
+    <p:sldId id="265" r:id="rId16"/>
   </p:sldIdLst>
   <p:sldSz cx="12192000" cy="6858000"/>
   <p:notesSz cx="6858000" cy="9144000"/>
@@ -125,6 +129,10 @@
 </p:presentation>
 </file>
 
+<file path=ppt/revisionInfo.xml><?xml version="1.0" encoding="utf-8"?>
+<p1510:revInfo xmlns:a="http://schemas.openxmlformats.org/drawingml/2006/main" xmlns:r="http://schemas.openxmlformats.org/officeDocument/2006/relationships" xmlns:p1510="http://schemas.microsoft.com/office/powerpoint/2015/10/main"/>
+</file>
+
 <file path=ppt/changesInfos/changesInfo1.xml><?xml version="1.0" encoding="utf-8"?>
 <pc:chgInfo xmlns:a="http://schemas.openxmlformats.org/drawingml/2006/main" xmlns:r="http://schemas.openxmlformats.org/officeDocument/2006/relationships" xmlns:ac="http://schemas.microsoft.com/office/drawing/2013/main/command" xmlns:pc="http://schemas.microsoft.com/office/powerpoint/2013/main/command">
   <pc:docChgLst>
@@ -172,7 +180,7 @@
           </ac:spMkLst>
         </pc:spChg>
         <pc:spChg chg="del">
-          <ac:chgData name="Chris Godley" userId="d3c593d8badc2f83" providerId="LiveId" clId="{9B93B911-416B-4F7B-AD9A-5C72AF373212}" dt="2017-12-12T02:30:35.864" v="1195"/>
+          <ac:chgData name="Chris Godley" userId="d3c593d8badc2f83" providerId="LiveId" clId="{9B93B911-416B-4F7B-AD9A-5C72AF373212}" dt="2017-12-12T02:30:35.864" v="1195" actId="478"/>
           <ac:spMkLst>
             <pc:docMk/>
             <pc:sldMk cId="380641074" sldId="257"/>
@@ -242,7 +250,7 @@
           </ac:spMkLst>
         </pc:spChg>
         <pc:picChg chg="add">
-          <ac:chgData name="Chris Godley" userId="d3c593d8badc2f83" providerId="LiveId" clId="{9B93B911-416B-4F7B-AD9A-5C72AF373212}" dt="2017-12-12T04:11:57.341" v="3101"/>
+          <ac:chgData name="Chris Godley" userId="d3c593d8badc2f83" providerId="LiveId" clId="{9B93B911-416B-4F7B-AD9A-5C72AF373212}" dt="2017-12-12T04:11:57.341" v="3101" actId="20577"/>
           <ac:picMkLst>
             <pc:docMk/>
             <pc:sldMk cId="893239236" sldId="259"/>
@@ -425,7 +433,7 @@
           </ac:spMkLst>
         </pc:spChg>
         <pc:picChg chg="add del">
-          <ac:chgData name="Chris Godley" userId="d3c593d8badc2f83" providerId="LiveId" clId="{9B93B911-416B-4F7B-AD9A-5C72AF373212}" dt="2017-12-12T04:12:28.249" v="3103"/>
+          <ac:chgData name="Chris Godley" userId="d3c593d8badc2f83" providerId="LiveId" clId="{9B93B911-416B-4F7B-AD9A-5C72AF373212}" dt="2017-12-12T04:12:28.249" v="3103" actId="1035"/>
           <ac:picMkLst>
             <pc:docMk/>
             <pc:sldMk cId="2458707189" sldId="260"/>
@@ -497,7 +505,7 @@
           </ac:cxnSpMkLst>
         </pc:cxnChg>
         <pc:cxnChg chg="add del mod">
-          <ac:chgData name="Chris Godley" userId="d3c593d8badc2f83" providerId="LiveId" clId="{9B93B911-416B-4F7B-AD9A-5C72AF373212}" dt="2017-12-12T03:12:22.252" v="1369"/>
+          <ac:chgData name="Chris Godley" userId="d3c593d8badc2f83" providerId="LiveId" clId="{9B93B911-416B-4F7B-AD9A-5C72AF373212}" dt="2017-12-12T03:12:22.252" v="1369" actId="1035"/>
           <ac:cxnSpMkLst>
             <pc:docMk/>
             <pc:sldMk cId="2458707189" sldId="260"/>
@@ -505,7 +513,7 @@
           </ac:cxnSpMkLst>
         </pc:cxnChg>
         <pc:cxnChg chg="add del mod">
-          <ac:chgData name="Chris Godley" userId="d3c593d8badc2f83" providerId="LiveId" clId="{9B93B911-416B-4F7B-AD9A-5C72AF373212}" dt="2017-12-12T03:12:22.252" v="1369"/>
+          <ac:chgData name="Chris Godley" userId="d3c593d8badc2f83" providerId="LiveId" clId="{9B93B911-416B-4F7B-AD9A-5C72AF373212}" dt="2017-12-12T03:12:22.252" v="1369" actId="1035"/>
           <ac:cxnSpMkLst>
             <pc:docMk/>
             <pc:sldMk cId="2458707189" sldId="260"/>
@@ -545,7 +553,7 @@
           </ac:cxnSpMkLst>
         </pc:cxnChg>
         <pc:cxnChg chg="add del">
-          <ac:chgData name="Chris Godley" userId="d3c593d8badc2f83" providerId="LiveId" clId="{9B93B911-416B-4F7B-AD9A-5C72AF373212}" dt="2017-12-12T03:13:55.666" v="1400"/>
+          <ac:chgData name="Chris Godley" userId="d3c593d8badc2f83" providerId="LiveId" clId="{9B93B911-416B-4F7B-AD9A-5C72AF373212}" dt="2017-12-12T03:13:55.666" v="1400" actId="1035"/>
           <ac:cxnSpMkLst>
             <pc:docMk/>
             <pc:sldMk cId="2458707189" sldId="260"/>
@@ -553,7 +561,7 @@
           </ac:cxnSpMkLst>
         </pc:cxnChg>
         <pc:cxnChg chg="add del">
-          <ac:chgData name="Chris Godley" userId="d3c593d8badc2f83" providerId="LiveId" clId="{9B93B911-416B-4F7B-AD9A-5C72AF373212}" dt="2017-12-12T03:13:55.666" v="1400"/>
+          <ac:chgData name="Chris Godley" userId="d3c593d8badc2f83" providerId="LiveId" clId="{9B93B911-416B-4F7B-AD9A-5C72AF373212}" dt="2017-12-12T03:13:55.666" v="1400" actId="1035"/>
           <ac:cxnSpMkLst>
             <pc:docMk/>
             <pc:sldMk cId="2458707189" sldId="260"/>
@@ -869,7 +877,7 @@
           </ac:spMkLst>
         </pc:spChg>
         <pc:spChg chg="add mod">
-          <ac:chgData name="Chris Godley" userId="d3c593d8badc2f83" providerId="LiveId" clId="{9B93B911-416B-4F7B-AD9A-5C72AF373212}" dt="2017-12-12T04:55:41.711" v="4604"/>
+          <ac:chgData name="Chris Godley" userId="d3c593d8badc2f83" providerId="LiveId" clId="{9B93B911-416B-4F7B-AD9A-5C72AF373212}" dt="2017-12-12T04:55:41.711" v="4604" actId="20577"/>
           <ac:spMkLst>
             <pc:docMk/>
             <pc:sldMk cId="2554701047" sldId="264"/>
@@ -1049,7 +1057,7 @@
           <a:p>
             <a:fld id="{4BCF04C6-D046-4EC6-9936-CAC52183C664}" type="datetimeFigureOut">
               <a:rPr lang="en-US" smtClean="0"/>
-              <a:t>12/11/2017</a:t>
+              <a:t>12/12/2017</a:t>
             </a:fld>
             <a:endParaRPr lang="en-US"/>
           </a:p>
@@ -1947,7 +1955,7 @@
           <a:p>
             <a:fld id="{734CF25A-7B3C-4CA9-88E2-F284CD0563BF}" type="datetimeFigureOut">
               <a:rPr lang="en-US" smtClean="0"/>
-              <a:t>12/11/2017</a:t>
+              <a:t>12/12/2017</a:t>
             </a:fld>
             <a:endParaRPr lang="en-US"/>
           </a:p>
@@ -2155,7 +2163,7 @@
           <a:p>
             <a:fld id="{734CF25A-7B3C-4CA9-88E2-F284CD0563BF}" type="datetimeFigureOut">
               <a:rPr lang="en-US" smtClean="0"/>
-              <a:t>12/11/2017</a:t>
+              <a:t>12/12/2017</a:t>
             </a:fld>
             <a:endParaRPr lang="en-US"/>
           </a:p>
@@ -2411,7 +2419,7 @@
           <a:p>
             <a:fld id="{734CF25A-7B3C-4CA9-88E2-F284CD0563BF}" type="datetimeFigureOut">
               <a:rPr lang="en-US" smtClean="0"/>
-              <a:t>12/11/2017</a:t>
+              <a:t>12/12/2017</a:t>
             </a:fld>
             <a:endParaRPr lang="en-US"/>
           </a:p>
@@ -2581,7 +2589,7 @@
           <a:p>
             <a:fld id="{734CF25A-7B3C-4CA9-88E2-F284CD0563BF}" type="datetimeFigureOut">
               <a:rPr lang="en-US" smtClean="0"/>
-              <a:t>12/11/2017</a:t>
+              <a:t>12/12/2017</a:t>
             </a:fld>
             <a:endParaRPr lang="en-US"/>
           </a:p>
@@ -2924,7 +2932,7 @@
           <a:p>
             <a:fld id="{734CF25A-7B3C-4CA9-88E2-F284CD0563BF}" type="datetimeFigureOut">
               <a:rPr lang="en-US" smtClean="0"/>
-              <a:t>12/11/2017</a:t>
+              <a:t>12/12/2017</a:t>
             </a:fld>
             <a:endParaRPr lang="en-US"/>
           </a:p>
@@ -3199,7 +3207,7 @@
           <a:p>
             <a:fld id="{734CF25A-7B3C-4CA9-88E2-F284CD0563BF}" type="datetimeFigureOut">
               <a:rPr lang="en-US" smtClean="0"/>
-              <a:t>12/11/2017</a:t>
+              <a:t>12/12/2017</a:t>
             </a:fld>
             <a:endParaRPr lang="en-US"/>
           </a:p>
@@ -3578,7 +3586,7 @@
           <a:p>
             <a:fld id="{734CF25A-7B3C-4CA9-88E2-F284CD0563BF}" type="datetimeFigureOut">
               <a:rPr lang="en-US" smtClean="0"/>
-              <a:t>12/11/2017</a:t>
+              <a:t>12/12/2017</a:t>
             </a:fld>
             <a:endParaRPr lang="en-US"/>
           </a:p>
@@ -3696,7 +3704,7 @@
           <a:p>
             <a:fld id="{734CF25A-7B3C-4CA9-88E2-F284CD0563BF}" type="datetimeFigureOut">
               <a:rPr lang="en-US" smtClean="0"/>
-              <a:t>12/11/2017</a:t>
+              <a:t>12/12/2017</a:t>
             </a:fld>
             <a:endParaRPr lang="en-US"/>
           </a:p>
@@ -3867,7 +3875,7 @@
           <a:p>
             <a:fld id="{734CF25A-7B3C-4CA9-88E2-F284CD0563BF}" type="datetimeFigureOut">
               <a:rPr lang="en-US" smtClean="0"/>
-              <a:t>12/11/2017</a:t>
+              <a:t>12/12/2017</a:t>
             </a:fld>
             <a:endParaRPr lang="en-US"/>
           </a:p>
@@ -4221,7 +4229,7 @@
           <a:p>
             <a:fld id="{734CF25A-7B3C-4CA9-88E2-F284CD0563BF}" type="datetimeFigureOut">
               <a:rPr lang="en-US" smtClean="0"/>
-              <a:t>12/11/2017</a:t>
+              <a:t>12/12/2017</a:t>
             </a:fld>
             <a:endParaRPr lang="en-US"/>
           </a:p>
@@ -4598,7 +4606,7 @@
           <a:p>
             <a:fld id="{734CF25A-7B3C-4CA9-88E2-F284CD0563BF}" type="datetimeFigureOut">
               <a:rPr lang="en-US" smtClean="0"/>
-              <a:t>12/11/2017</a:t>
+              <a:t>12/12/2017</a:t>
             </a:fld>
             <a:endParaRPr lang="en-US"/>
           </a:p>
@@ -4885,7 +4893,7 @@
           <a:p>
             <a:fld id="{734CF25A-7B3C-4CA9-88E2-F284CD0563BF}" type="datetimeFigureOut">
               <a:rPr lang="en-US" smtClean="0"/>
-              <a:t>12/11/2017</a:t>
+              <a:t>12/12/2017</a:t>
             </a:fld>
             <a:endParaRPr lang="en-US"/>
           </a:p>
@@ -6115,6 +6123,1076 @@
           <p:cNvPr id="2" name="Title 1">
             <a:extLst>
               <a:ext uri="{FF2B5EF4-FFF2-40B4-BE49-F238E27FC236}">
+                <a16:creationId xmlns:a16="http://schemas.microsoft.com/office/drawing/2014/main" id="{F128A410-F4C4-40E1-89BD-92A28AD8DCDE}"/>
+              </a:ext>
+            </a:extLst>
+          </p:cNvPr>
+          <p:cNvSpPr>
+            <a:spLocks noGrp="1"/>
+          </p:cNvSpPr>
+          <p:nvPr>
+            <p:ph type="title"/>
+          </p:nvPr>
+        </p:nvSpPr>
+        <p:spPr/>
+        <p:txBody>
+          <a:bodyPr/>
+          <a:lstStyle/>
+          <a:p>
+            <a:r>
+              <a:rPr lang="en-US" dirty="0"/>
+              <a:t>Degree Histogram</a:t>
+            </a:r>
+          </a:p>
+        </p:txBody>
+      </p:sp>
+      <p:sp>
+        <p:nvSpPr>
+          <p:cNvPr id="5" name="TextBox 4">
+            <a:extLst>
+              <a:ext uri="{FF2B5EF4-FFF2-40B4-BE49-F238E27FC236}">
+                <a16:creationId xmlns:a16="http://schemas.microsoft.com/office/drawing/2014/main" id="{85F6E6A7-F917-4CB8-819C-0AA4A2326BEE}"/>
+              </a:ext>
+            </a:extLst>
+          </p:cNvPr>
+          <p:cNvSpPr txBox="1"/>
+          <p:nvPr/>
+        </p:nvSpPr>
+        <p:spPr>
+          <a:xfrm>
+            <a:off x="2214566" y="4630948"/>
+            <a:ext cx="2393982" cy="1200329"/>
+          </a:xfrm>
+          <a:prstGeom prst="rect">
+            <a:avLst/>
+          </a:prstGeom>
+          <a:noFill/>
+        </p:spPr>
+        <p:txBody>
+          <a:bodyPr wrap="square" rtlCol="0">
+            <a:spAutoFit/>
+          </a:bodyPr>
+          <a:lstStyle/>
+          <a:p>
+            <a:pPr algn="ctr"/>
+            <a:r>
+              <a:rPr lang="en-US" dirty="0"/>
+              <a:t>Take 3 (Cleaned Artists)</a:t>
+            </a:r>
+          </a:p>
+          <a:p>
+            <a:pPr algn="ctr"/>
+            <a:r>
+              <a:rPr lang="en-US" dirty="0"/>
+              <a:t>N = 809</a:t>
+            </a:r>
+          </a:p>
+          <a:p>
+            <a:pPr algn="ctr"/>
+            <a:r>
+              <a:rPr lang="en-US" dirty="0" err="1"/>
+              <a:t>Avg</a:t>
+            </a:r>
+            <a:r>
+              <a:rPr lang="en-US" dirty="0"/>
+              <a:t> Degree = 4.08</a:t>
+            </a:r>
+          </a:p>
+          <a:p>
+            <a:pPr algn="ctr"/>
+            <a:r>
+              <a:rPr lang="en-US" dirty="0"/>
+              <a:t>Max Degree = 83</a:t>
+            </a:r>
+          </a:p>
+        </p:txBody>
+      </p:sp>
+      <p:sp>
+        <p:nvSpPr>
+          <p:cNvPr id="6" name="TextBox 5">
+            <a:extLst>
+              <a:ext uri="{FF2B5EF4-FFF2-40B4-BE49-F238E27FC236}">
+                <a16:creationId xmlns:a16="http://schemas.microsoft.com/office/drawing/2014/main" id="{FCCE6447-335C-41C4-BF3A-EBB625BD6B0A}"/>
+              </a:ext>
+            </a:extLst>
+          </p:cNvPr>
+          <p:cNvSpPr txBox="1"/>
+          <p:nvPr/>
+        </p:nvSpPr>
+        <p:spPr>
+          <a:xfrm>
+            <a:off x="6470305" y="4630948"/>
+            <a:ext cx="2393982" cy="1200329"/>
+          </a:xfrm>
+          <a:prstGeom prst="rect">
+            <a:avLst/>
+          </a:prstGeom>
+          <a:noFill/>
+        </p:spPr>
+        <p:txBody>
+          <a:bodyPr wrap="square" rtlCol="0">
+            <a:spAutoFit/>
+          </a:bodyPr>
+          <a:lstStyle/>
+          <a:p>
+            <a:pPr algn="ctr"/>
+            <a:r>
+              <a:rPr lang="en-US" dirty="0"/>
+              <a:t>Take 3</a:t>
+            </a:r>
+          </a:p>
+          <a:p>
+            <a:pPr algn="ctr"/>
+            <a:r>
+              <a:rPr lang="en-US" dirty="0"/>
+              <a:t>N = 30359</a:t>
+            </a:r>
+          </a:p>
+          <a:p>
+            <a:pPr algn="ctr"/>
+            <a:r>
+              <a:rPr lang="en-US" dirty="0" err="1"/>
+              <a:t>Avg</a:t>
+            </a:r>
+            <a:r>
+              <a:rPr lang="en-US" dirty="0"/>
+              <a:t> Degree = 2.73</a:t>
+            </a:r>
+          </a:p>
+          <a:p>
+            <a:pPr algn="ctr"/>
+            <a:r>
+              <a:rPr lang="en-US" dirty="0"/>
+              <a:t>Max Degree = 238</a:t>
+            </a:r>
+          </a:p>
+        </p:txBody>
+      </p:sp>
+      <p:pic>
+        <p:nvPicPr>
+          <p:cNvPr id="3" name="Picture 2">
+            <a:extLst>
+              <a:ext uri="{FF2B5EF4-FFF2-40B4-BE49-F238E27FC236}">
+                <a16:creationId xmlns:a16="http://schemas.microsoft.com/office/drawing/2014/main" id="{12870D09-1F4F-48F1-9FF4-55A2CDA894CE}"/>
+              </a:ext>
+            </a:extLst>
+          </p:cNvPr>
+          <p:cNvPicPr>
+            <a:picLocks noChangeAspect="1"/>
+          </p:cNvPicPr>
+          <p:nvPr/>
+        </p:nvPicPr>
+        <p:blipFill>
+          <a:blip r:embed="rId2"/>
+          <a:stretch>
+            <a:fillRect/>
+          </a:stretch>
+        </p:blipFill>
+        <p:spPr>
+          <a:xfrm>
+            <a:off x="753942" y="2090761"/>
+            <a:ext cx="4802593" cy="2286234"/>
+          </a:xfrm>
+          <a:prstGeom prst="rect">
+            <a:avLst/>
+          </a:prstGeom>
+        </p:spPr>
+      </p:pic>
+      <p:pic>
+        <p:nvPicPr>
+          <p:cNvPr id="7" name="Picture 6">
+            <a:extLst>
+              <a:ext uri="{FF2B5EF4-FFF2-40B4-BE49-F238E27FC236}">
+                <a16:creationId xmlns:a16="http://schemas.microsoft.com/office/drawing/2014/main" id="{A4514DD1-4F18-4CD0-93B0-A9745E7B1C56}"/>
+              </a:ext>
+            </a:extLst>
+          </p:cNvPr>
+          <p:cNvPicPr>
+            <a:picLocks noChangeAspect="1"/>
+          </p:cNvPicPr>
+          <p:nvPr/>
+        </p:nvPicPr>
+        <p:blipFill>
+          <a:blip r:embed="rId3"/>
+          <a:stretch>
+            <a:fillRect/>
+          </a:stretch>
+        </p:blipFill>
+        <p:spPr>
+          <a:xfrm>
+            <a:off x="5665146" y="2063942"/>
+            <a:ext cx="4915268" cy="2339872"/>
+          </a:xfrm>
+          <a:prstGeom prst="rect">
+            <a:avLst/>
+          </a:prstGeom>
+        </p:spPr>
+      </p:pic>
+    </p:spTree>
+    <p:extLst>
+      <p:ext uri="{BB962C8B-B14F-4D97-AF65-F5344CB8AC3E}">
+        <p14:creationId xmlns:p14="http://schemas.microsoft.com/office/powerpoint/2010/main" val="303476815"/>
+      </p:ext>
+    </p:extLst>
+  </p:cSld>
+  <p:clrMapOvr>
+    <a:masterClrMapping/>
+  </p:clrMapOvr>
+</p:sld>
+</file>
+
+<file path=ppt/slides/slide12.xml><?xml version="1.0" encoding="utf-8"?>
+<p:sld xmlns:a="http://schemas.openxmlformats.org/drawingml/2006/main" xmlns:r="http://schemas.openxmlformats.org/officeDocument/2006/relationships" xmlns:p="http://schemas.openxmlformats.org/presentationml/2006/main">
+  <p:cSld>
+    <p:spTree>
+      <p:nvGrpSpPr>
+        <p:cNvPr id="1" name=""/>
+        <p:cNvGrpSpPr/>
+        <p:nvPr/>
+      </p:nvGrpSpPr>
+      <p:grpSpPr>
+        <a:xfrm>
+          <a:off x="0" y="0"/>
+          <a:ext cx="0" cy="0"/>
+          <a:chOff x="0" y="0"/>
+          <a:chExt cx="0" cy="0"/>
+        </a:xfrm>
+      </p:grpSpPr>
+      <p:sp>
+        <p:nvSpPr>
+          <p:cNvPr id="2" name="Title 1">
+            <a:extLst>
+              <a:ext uri="{FF2B5EF4-FFF2-40B4-BE49-F238E27FC236}">
+                <a16:creationId xmlns:a16="http://schemas.microsoft.com/office/drawing/2014/main" id="{F128A410-F4C4-40E1-89BD-92A28AD8DCDE}"/>
+              </a:ext>
+            </a:extLst>
+          </p:cNvPr>
+          <p:cNvSpPr>
+            <a:spLocks noGrp="1"/>
+          </p:cNvSpPr>
+          <p:nvPr>
+            <p:ph type="title"/>
+          </p:nvPr>
+        </p:nvSpPr>
+        <p:spPr/>
+        <p:txBody>
+          <a:bodyPr/>
+          <a:lstStyle/>
+          <a:p>
+            <a:r>
+              <a:rPr lang="en-US" dirty="0"/>
+              <a:t>Clustering Coefficient Histogram</a:t>
+            </a:r>
+          </a:p>
+        </p:txBody>
+      </p:sp>
+      <p:sp>
+        <p:nvSpPr>
+          <p:cNvPr id="5" name="TextBox 4">
+            <a:extLst>
+              <a:ext uri="{FF2B5EF4-FFF2-40B4-BE49-F238E27FC236}">
+                <a16:creationId xmlns:a16="http://schemas.microsoft.com/office/drawing/2014/main" id="{85F6E6A7-F917-4CB8-819C-0AA4A2326BEE}"/>
+              </a:ext>
+            </a:extLst>
+          </p:cNvPr>
+          <p:cNvSpPr txBox="1"/>
+          <p:nvPr/>
+        </p:nvSpPr>
+        <p:spPr>
+          <a:xfrm>
+            <a:off x="2214566" y="4630948"/>
+            <a:ext cx="2393982" cy="1200329"/>
+          </a:xfrm>
+          <a:prstGeom prst="rect">
+            <a:avLst/>
+          </a:prstGeom>
+          <a:noFill/>
+        </p:spPr>
+        <p:txBody>
+          <a:bodyPr wrap="square" rtlCol="0">
+            <a:spAutoFit/>
+          </a:bodyPr>
+          <a:lstStyle/>
+          <a:p>
+            <a:pPr algn="ctr"/>
+            <a:r>
+              <a:rPr lang="en-US" dirty="0"/>
+              <a:t>Take 3 (Cleaned Artists)</a:t>
+            </a:r>
+          </a:p>
+          <a:p>
+            <a:pPr algn="ctr"/>
+            <a:r>
+              <a:rPr lang="en-US" dirty="0"/>
+              <a:t>N = 809</a:t>
+            </a:r>
+          </a:p>
+          <a:p>
+            <a:pPr algn="ctr"/>
+            <a:r>
+              <a:rPr lang="en-US" dirty="0" err="1"/>
+              <a:t>Avg</a:t>
+            </a:r>
+            <a:r>
+              <a:rPr lang="en-US" dirty="0"/>
+              <a:t> </a:t>
+            </a:r>
+            <a:r>
+              <a:rPr lang="en-US" dirty="0" err="1"/>
+              <a:t>Coef</a:t>
+            </a:r>
+            <a:r>
+              <a:rPr lang="en-US" dirty="0"/>
+              <a:t> = 0.199</a:t>
+            </a:r>
+          </a:p>
+          <a:p>
+            <a:pPr algn="ctr"/>
+            <a:r>
+              <a:rPr lang="en-US" dirty="0"/>
+              <a:t>Max </a:t>
+            </a:r>
+            <a:r>
+              <a:rPr lang="en-US" dirty="0" err="1"/>
+              <a:t>Coef</a:t>
+            </a:r>
+            <a:r>
+              <a:rPr lang="en-US" dirty="0"/>
+              <a:t> = 1</a:t>
+            </a:r>
+          </a:p>
+        </p:txBody>
+      </p:sp>
+      <p:sp>
+        <p:nvSpPr>
+          <p:cNvPr id="6" name="TextBox 5">
+            <a:extLst>
+              <a:ext uri="{FF2B5EF4-FFF2-40B4-BE49-F238E27FC236}">
+                <a16:creationId xmlns:a16="http://schemas.microsoft.com/office/drawing/2014/main" id="{FCCE6447-335C-41C4-BF3A-EBB625BD6B0A}"/>
+              </a:ext>
+            </a:extLst>
+          </p:cNvPr>
+          <p:cNvSpPr txBox="1"/>
+          <p:nvPr/>
+        </p:nvSpPr>
+        <p:spPr>
+          <a:xfrm>
+            <a:off x="7283140" y="4669486"/>
+            <a:ext cx="2393982" cy="1200329"/>
+          </a:xfrm>
+          <a:prstGeom prst="rect">
+            <a:avLst/>
+          </a:prstGeom>
+          <a:noFill/>
+        </p:spPr>
+        <p:txBody>
+          <a:bodyPr wrap="square" rtlCol="0">
+            <a:spAutoFit/>
+          </a:bodyPr>
+          <a:lstStyle/>
+          <a:p>
+            <a:pPr algn="ctr"/>
+            <a:r>
+              <a:rPr lang="en-US" dirty="0"/>
+              <a:t>Take 3</a:t>
+            </a:r>
+          </a:p>
+          <a:p>
+            <a:pPr algn="ctr"/>
+            <a:r>
+              <a:rPr lang="en-US" dirty="0"/>
+              <a:t>N = 30359</a:t>
+            </a:r>
+          </a:p>
+          <a:p>
+            <a:pPr algn="ctr"/>
+            <a:r>
+              <a:rPr lang="en-US" dirty="0" err="1"/>
+              <a:t>Avg</a:t>
+            </a:r>
+            <a:r>
+              <a:rPr lang="en-US" dirty="0"/>
+              <a:t> </a:t>
+            </a:r>
+            <a:r>
+              <a:rPr lang="en-US" dirty="0" err="1"/>
+              <a:t>Coef</a:t>
+            </a:r>
+            <a:r>
+              <a:rPr lang="en-US" dirty="0"/>
+              <a:t> = 0.014</a:t>
+            </a:r>
+          </a:p>
+          <a:p>
+            <a:pPr algn="ctr"/>
+            <a:r>
+              <a:rPr lang="en-US" dirty="0"/>
+              <a:t>Max </a:t>
+            </a:r>
+            <a:r>
+              <a:rPr lang="en-US" dirty="0" err="1"/>
+              <a:t>Coef</a:t>
+            </a:r>
+            <a:r>
+              <a:rPr lang="en-US" dirty="0"/>
+              <a:t> = 1</a:t>
+            </a:r>
+          </a:p>
+        </p:txBody>
+      </p:sp>
+      <p:pic>
+        <p:nvPicPr>
+          <p:cNvPr id="4" name="Picture 3">
+            <a:extLst>
+              <a:ext uri="{FF2B5EF4-FFF2-40B4-BE49-F238E27FC236}">
+                <a16:creationId xmlns:a16="http://schemas.microsoft.com/office/drawing/2014/main" id="{4EABBC2F-0AFE-4E47-8908-C0A9C2716970}"/>
+              </a:ext>
+            </a:extLst>
+          </p:cNvPr>
+          <p:cNvPicPr>
+            <a:picLocks noChangeAspect="1"/>
+          </p:cNvPicPr>
+          <p:nvPr/>
+        </p:nvPicPr>
+        <p:blipFill>
+          <a:blip r:embed="rId2"/>
+          <a:stretch>
+            <a:fillRect/>
+          </a:stretch>
+        </p:blipFill>
+        <p:spPr>
+          <a:xfrm>
+            <a:off x="883854" y="1969476"/>
+            <a:ext cx="5055406" cy="2406584"/>
+          </a:xfrm>
+          <a:prstGeom prst="rect">
+            <a:avLst/>
+          </a:prstGeom>
+        </p:spPr>
+      </p:pic>
+      <p:pic>
+        <p:nvPicPr>
+          <p:cNvPr id="8" name="Picture 7">
+            <a:extLst>
+              <a:ext uri="{FF2B5EF4-FFF2-40B4-BE49-F238E27FC236}">
+                <a16:creationId xmlns:a16="http://schemas.microsoft.com/office/drawing/2014/main" id="{A8997277-255A-4988-BE72-504F69978C9D}"/>
+              </a:ext>
+            </a:extLst>
+          </p:cNvPr>
+          <p:cNvPicPr>
+            <a:picLocks noChangeAspect="1"/>
+          </p:cNvPicPr>
+          <p:nvPr/>
+        </p:nvPicPr>
+        <p:blipFill>
+          <a:blip r:embed="rId3"/>
+          <a:stretch>
+            <a:fillRect/>
+          </a:stretch>
+        </p:blipFill>
+        <p:spPr>
+          <a:xfrm>
+            <a:off x="5899877" y="1944459"/>
+            <a:ext cx="5160509" cy="2456617"/>
+          </a:xfrm>
+          <a:prstGeom prst="rect">
+            <a:avLst/>
+          </a:prstGeom>
+        </p:spPr>
+      </p:pic>
+    </p:spTree>
+    <p:extLst>
+      <p:ext uri="{BB962C8B-B14F-4D97-AF65-F5344CB8AC3E}">
+        <p14:creationId xmlns:p14="http://schemas.microsoft.com/office/powerpoint/2010/main" val="2426525653"/>
+      </p:ext>
+    </p:extLst>
+  </p:cSld>
+  <p:clrMapOvr>
+    <a:masterClrMapping/>
+  </p:clrMapOvr>
+</p:sld>
+</file>
+
+<file path=ppt/slides/slide13.xml><?xml version="1.0" encoding="utf-8"?>
+<p:sld xmlns:a="http://schemas.openxmlformats.org/drawingml/2006/main" xmlns:r="http://schemas.openxmlformats.org/officeDocument/2006/relationships" xmlns:p="http://schemas.openxmlformats.org/presentationml/2006/main">
+  <p:cSld>
+    <p:spTree>
+      <p:nvGrpSpPr>
+        <p:cNvPr id="1" name=""/>
+        <p:cNvGrpSpPr/>
+        <p:nvPr/>
+      </p:nvGrpSpPr>
+      <p:grpSpPr>
+        <a:xfrm>
+          <a:off x="0" y="0"/>
+          <a:ext cx="0" cy="0"/>
+          <a:chOff x="0" y="0"/>
+          <a:chExt cx="0" cy="0"/>
+        </a:xfrm>
+      </p:grpSpPr>
+      <p:sp>
+        <p:nvSpPr>
+          <p:cNvPr id="2" name="Title 1">
+            <a:extLst>
+              <a:ext uri="{FF2B5EF4-FFF2-40B4-BE49-F238E27FC236}">
+                <a16:creationId xmlns:a16="http://schemas.microsoft.com/office/drawing/2014/main" id="{F128A410-F4C4-40E1-89BD-92A28AD8DCDE}"/>
+              </a:ext>
+            </a:extLst>
+          </p:cNvPr>
+          <p:cNvSpPr>
+            <a:spLocks noGrp="1"/>
+          </p:cNvSpPr>
+          <p:nvPr>
+            <p:ph type="title"/>
+          </p:nvPr>
+        </p:nvSpPr>
+        <p:spPr/>
+        <p:txBody>
+          <a:bodyPr/>
+          <a:lstStyle/>
+          <a:p>
+            <a:r>
+              <a:rPr lang="en-US" dirty="0" err="1"/>
+              <a:t>GbA</a:t>
+            </a:r>
+            <a:r>
+              <a:rPr lang="en-US" dirty="0"/>
+              <a:t> Heuristic</a:t>
+            </a:r>
+          </a:p>
+        </p:txBody>
+      </p:sp>
+      <p:sp>
+        <p:nvSpPr>
+          <p:cNvPr id="4" name="TextBox 3">
+            <a:extLst>
+              <a:ext uri="{FF2B5EF4-FFF2-40B4-BE49-F238E27FC236}">
+                <a16:creationId xmlns:a16="http://schemas.microsoft.com/office/drawing/2014/main" id="{4789EC23-B72C-4130-8A7F-639D6C974BF5}"/>
+              </a:ext>
+            </a:extLst>
+          </p:cNvPr>
+          <p:cNvSpPr txBox="1"/>
+          <p:nvPr/>
+        </p:nvSpPr>
+        <p:spPr>
+          <a:xfrm>
+            <a:off x="1000473" y="4604340"/>
+            <a:ext cx="2393982" cy="646331"/>
+          </a:xfrm>
+          <a:prstGeom prst="rect">
+            <a:avLst/>
+          </a:prstGeom>
+          <a:noFill/>
+        </p:spPr>
+        <p:txBody>
+          <a:bodyPr wrap="square" rtlCol="0">
+            <a:spAutoFit/>
+          </a:bodyPr>
+          <a:lstStyle/>
+          <a:p>
+            <a:pPr algn="ctr"/>
+            <a:r>
+              <a:rPr lang="en-US" dirty="0"/>
+              <a:t>Take 1</a:t>
+            </a:r>
+          </a:p>
+          <a:p>
+            <a:pPr algn="ctr"/>
+            <a:r>
+              <a:rPr lang="en-US" dirty="0"/>
+              <a:t>N = 297</a:t>
+            </a:r>
+          </a:p>
+        </p:txBody>
+      </p:sp>
+      <p:sp>
+        <p:nvSpPr>
+          <p:cNvPr id="5" name="TextBox 4">
+            <a:extLst>
+              <a:ext uri="{FF2B5EF4-FFF2-40B4-BE49-F238E27FC236}">
+                <a16:creationId xmlns:a16="http://schemas.microsoft.com/office/drawing/2014/main" id="{85F6E6A7-F917-4CB8-819C-0AA4A2326BEE}"/>
+              </a:ext>
+            </a:extLst>
+          </p:cNvPr>
+          <p:cNvSpPr txBox="1"/>
+          <p:nvPr/>
+        </p:nvSpPr>
+        <p:spPr>
+          <a:xfrm>
+            <a:off x="8709959" y="4630949"/>
+            <a:ext cx="2393982" cy="646331"/>
+          </a:xfrm>
+          <a:prstGeom prst="rect">
+            <a:avLst/>
+          </a:prstGeom>
+          <a:noFill/>
+        </p:spPr>
+        <p:txBody>
+          <a:bodyPr wrap="square" rtlCol="0">
+            <a:spAutoFit/>
+          </a:bodyPr>
+          <a:lstStyle/>
+          <a:p>
+            <a:pPr algn="ctr"/>
+            <a:r>
+              <a:rPr lang="en-US" dirty="0"/>
+              <a:t>Take 3</a:t>
+            </a:r>
+          </a:p>
+          <a:p>
+            <a:pPr algn="ctr"/>
+            <a:r>
+              <a:rPr lang="en-US" dirty="0"/>
+              <a:t>N = 768</a:t>
+            </a:r>
+          </a:p>
+        </p:txBody>
+      </p:sp>
+      <p:sp>
+        <p:nvSpPr>
+          <p:cNvPr id="6" name="TextBox 5">
+            <a:extLst>
+              <a:ext uri="{FF2B5EF4-FFF2-40B4-BE49-F238E27FC236}">
+                <a16:creationId xmlns:a16="http://schemas.microsoft.com/office/drawing/2014/main" id="{FCCE6447-335C-41C4-BF3A-EBB625BD6B0A}"/>
+              </a:ext>
+            </a:extLst>
+          </p:cNvPr>
+          <p:cNvSpPr txBox="1"/>
+          <p:nvPr/>
+        </p:nvSpPr>
+        <p:spPr>
+          <a:xfrm>
+            <a:off x="5103960" y="4630948"/>
+            <a:ext cx="2393982" cy="646331"/>
+          </a:xfrm>
+          <a:prstGeom prst="rect">
+            <a:avLst/>
+          </a:prstGeom>
+          <a:noFill/>
+        </p:spPr>
+        <p:txBody>
+          <a:bodyPr wrap="square" rtlCol="0">
+            <a:spAutoFit/>
+          </a:bodyPr>
+          <a:lstStyle/>
+          <a:p>
+            <a:pPr algn="ctr"/>
+            <a:r>
+              <a:rPr lang="en-US" dirty="0"/>
+              <a:t>Take 2</a:t>
+            </a:r>
+          </a:p>
+          <a:p>
+            <a:pPr algn="ctr"/>
+            <a:r>
+              <a:rPr lang="en-US" dirty="0"/>
+              <a:t>N = 387</a:t>
+            </a:r>
+          </a:p>
+        </p:txBody>
+      </p:sp>
+      <p:pic>
+        <p:nvPicPr>
+          <p:cNvPr id="9" name="Picture 8">
+            <a:extLst>
+              <a:ext uri="{FF2B5EF4-FFF2-40B4-BE49-F238E27FC236}">
+                <a16:creationId xmlns:a16="http://schemas.microsoft.com/office/drawing/2014/main" id="{960F28B1-5281-421A-A020-E30FD9121768}"/>
+              </a:ext>
+            </a:extLst>
+          </p:cNvPr>
+          <p:cNvPicPr>
+            <a:picLocks noChangeAspect="1"/>
+          </p:cNvPicPr>
+          <p:nvPr/>
+        </p:nvPicPr>
+        <p:blipFill>
+          <a:blip r:embed="rId2"/>
+          <a:stretch>
+            <a:fillRect/>
+          </a:stretch>
+        </p:blipFill>
+        <p:spPr>
+          <a:xfrm>
+            <a:off x="0" y="2262428"/>
+            <a:ext cx="4321729" cy="2057323"/>
+          </a:xfrm>
+          <a:prstGeom prst="rect">
+            <a:avLst/>
+          </a:prstGeom>
+        </p:spPr>
+      </p:pic>
+      <p:pic>
+        <p:nvPicPr>
+          <p:cNvPr id="10" name="Picture 9">
+            <a:extLst>
+              <a:ext uri="{FF2B5EF4-FFF2-40B4-BE49-F238E27FC236}">
+                <a16:creationId xmlns:a16="http://schemas.microsoft.com/office/drawing/2014/main" id="{B567BA21-4841-4867-AB20-DF977DBC5A11}"/>
+              </a:ext>
+            </a:extLst>
+          </p:cNvPr>
+          <p:cNvPicPr>
+            <a:picLocks noChangeAspect="1"/>
+          </p:cNvPicPr>
+          <p:nvPr/>
+        </p:nvPicPr>
+        <p:blipFill>
+          <a:blip r:embed="rId3"/>
+          <a:stretch>
+            <a:fillRect/>
+          </a:stretch>
+        </p:blipFill>
+        <p:spPr>
+          <a:xfrm>
+            <a:off x="4067574" y="2262428"/>
+            <a:ext cx="4277640" cy="2036335"/>
+          </a:xfrm>
+          <a:prstGeom prst="rect">
+            <a:avLst/>
+          </a:prstGeom>
+        </p:spPr>
+      </p:pic>
+      <p:pic>
+        <p:nvPicPr>
+          <p:cNvPr id="11" name="Picture 10">
+            <a:extLst>
+              <a:ext uri="{FF2B5EF4-FFF2-40B4-BE49-F238E27FC236}">
+                <a16:creationId xmlns:a16="http://schemas.microsoft.com/office/drawing/2014/main" id="{AC70DFDD-F0EC-479B-831D-1740FE65A4B3}"/>
+              </a:ext>
+            </a:extLst>
+          </p:cNvPr>
+          <p:cNvPicPr>
+            <a:picLocks noChangeAspect="1"/>
+          </p:cNvPicPr>
+          <p:nvPr/>
+        </p:nvPicPr>
+        <p:blipFill>
+          <a:blip r:embed="rId4"/>
+          <a:stretch>
+            <a:fillRect/>
+          </a:stretch>
+        </p:blipFill>
+        <p:spPr>
+          <a:xfrm>
+            <a:off x="7949394" y="2294789"/>
+            <a:ext cx="4141679" cy="1971612"/>
+          </a:xfrm>
+          <a:prstGeom prst="rect">
+            <a:avLst/>
+          </a:prstGeom>
+        </p:spPr>
+      </p:pic>
+    </p:spTree>
+    <p:extLst>
+      <p:ext uri="{BB962C8B-B14F-4D97-AF65-F5344CB8AC3E}">
+        <p14:creationId xmlns:p14="http://schemas.microsoft.com/office/powerpoint/2010/main" val="175483509"/>
+      </p:ext>
+    </p:extLst>
+  </p:cSld>
+  <p:clrMapOvr>
+    <a:masterClrMapping/>
+  </p:clrMapOvr>
+</p:sld>
+</file>
+
+<file path=ppt/slides/slide14.xml><?xml version="1.0" encoding="utf-8"?>
+<p:sld xmlns:a="http://schemas.openxmlformats.org/drawingml/2006/main" xmlns:r="http://schemas.openxmlformats.org/officeDocument/2006/relationships" xmlns:p="http://schemas.openxmlformats.org/presentationml/2006/main">
+  <p:cSld>
+    <p:spTree>
+      <p:nvGrpSpPr>
+        <p:cNvPr id="1" name=""/>
+        <p:cNvGrpSpPr/>
+        <p:nvPr/>
+      </p:nvGrpSpPr>
+      <p:grpSpPr>
+        <a:xfrm>
+          <a:off x="0" y="0"/>
+          <a:ext cx="0" cy="0"/>
+          <a:chOff x="0" y="0"/>
+          <a:chExt cx="0" cy="0"/>
+        </a:xfrm>
+      </p:grpSpPr>
+      <p:sp>
+        <p:nvSpPr>
+          <p:cNvPr id="2" name="Title 1">
+            <a:extLst>
+              <a:ext uri="{FF2B5EF4-FFF2-40B4-BE49-F238E27FC236}">
+                <a16:creationId xmlns:a16="http://schemas.microsoft.com/office/drawing/2014/main" id="{F128A410-F4C4-40E1-89BD-92A28AD8DCDE}"/>
+              </a:ext>
+            </a:extLst>
+          </p:cNvPr>
+          <p:cNvSpPr>
+            <a:spLocks noGrp="1"/>
+          </p:cNvSpPr>
+          <p:nvPr>
+            <p:ph type="title"/>
+          </p:nvPr>
+        </p:nvSpPr>
+        <p:spPr/>
+        <p:txBody>
+          <a:bodyPr/>
+          <a:lstStyle/>
+          <a:p>
+            <a:r>
+              <a:rPr lang="en-US" dirty="0"/>
+              <a:t>Link Prediction</a:t>
+            </a:r>
+          </a:p>
+        </p:txBody>
+      </p:sp>
+      <p:sp>
+        <p:nvSpPr>
+          <p:cNvPr id="4" name="TextBox 3">
+            <a:extLst>
+              <a:ext uri="{FF2B5EF4-FFF2-40B4-BE49-F238E27FC236}">
+                <a16:creationId xmlns:a16="http://schemas.microsoft.com/office/drawing/2014/main" id="{4789EC23-B72C-4130-8A7F-639D6C974BF5}"/>
+              </a:ext>
+            </a:extLst>
+          </p:cNvPr>
+          <p:cNvSpPr txBox="1"/>
+          <p:nvPr/>
+        </p:nvSpPr>
+        <p:spPr>
+          <a:xfrm>
+            <a:off x="1000473" y="4604340"/>
+            <a:ext cx="2393982" cy="646331"/>
+          </a:xfrm>
+          <a:prstGeom prst="rect">
+            <a:avLst/>
+          </a:prstGeom>
+          <a:noFill/>
+        </p:spPr>
+        <p:txBody>
+          <a:bodyPr wrap="square" rtlCol="0">
+            <a:spAutoFit/>
+          </a:bodyPr>
+          <a:lstStyle/>
+          <a:p>
+            <a:pPr algn="ctr"/>
+            <a:r>
+              <a:rPr lang="en-US" dirty="0"/>
+              <a:t>Take 1</a:t>
+            </a:r>
+          </a:p>
+          <a:p>
+            <a:pPr algn="ctr"/>
+            <a:r>
+              <a:rPr lang="en-US" dirty="0"/>
+              <a:t>N = 297</a:t>
+            </a:r>
+          </a:p>
+        </p:txBody>
+      </p:sp>
+      <p:sp>
+        <p:nvSpPr>
+          <p:cNvPr id="5" name="TextBox 4">
+            <a:extLst>
+              <a:ext uri="{FF2B5EF4-FFF2-40B4-BE49-F238E27FC236}">
+                <a16:creationId xmlns:a16="http://schemas.microsoft.com/office/drawing/2014/main" id="{85F6E6A7-F917-4CB8-819C-0AA4A2326BEE}"/>
+              </a:ext>
+            </a:extLst>
+          </p:cNvPr>
+          <p:cNvSpPr txBox="1"/>
+          <p:nvPr/>
+        </p:nvSpPr>
+        <p:spPr>
+          <a:xfrm>
+            <a:off x="8709959" y="4630949"/>
+            <a:ext cx="2393982" cy="646331"/>
+          </a:xfrm>
+          <a:prstGeom prst="rect">
+            <a:avLst/>
+          </a:prstGeom>
+          <a:noFill/>
+        </p:spPr>
+        <p:txBody>
+          <a:bodyPr wrap="square" rtlCol="0">
+            <a:spAutoFit/>
+          </a:bodyPr>
+          <a:lstStyle/>
+          <a:p>
+            <a:pPr algn="ctr"/>
+            <a:r>
+              <a:rPr lang="en-US" dirty="0"/>
+              <a:t>Take 3</a:t>
+            </a:r>
+          </a:p>
+          <a:p>
+            <a:pPr algn="ctr"/>
+            <a:r>
+              <a:rPr lang="en-US" dirty="0"/>
+              <a:t>N = 768</a:t>
+            </a:r>
+          </a:p>
+        </p:txBody>
+      </p:sp>
+      <p:sp>
+        <p:nvSpPr>
+          <p:cNvPr id="6" name="TextBox 5">
+            <a:extLst>
+              <a:ext uri="{FF2B5EF4-FFF2-40B4-BE49-F238E27FC236}">
+                <a16:creationId xmlns:a16="http://schemas.microsoft.com/office/drawing/2014/main" id="{FCCE6447-335C-41C4-BF3A-EBB625BD6B0A}"/>
+              </a:ext>
+            </a:extLst>
+          </p:cNvPr>
+          <p:cNvSpPr txBox="1"/>
+          <p:nvPr/>
+        </p:nvSpPr>
+        <p:spPr>
+          <a:xfrm>
+            <a:off x="5103960" y="4630948"/>
+            <a:ext cx="2393982" cy="646331"/>
+          </a:xfrm>
+          <a:prstGeom prst="rect">
+            <a:avLst/>
+          </a:prstGeom>
+          <a:noFill/>
+        </p:spPr>
+        <p:txBody>
+          <a:bodyPr wrap="square" rtlCol="0">
+            <a:spAutoFit/>
+          </a:bodyPr>
+          <a:lstStyle/>
+          <a:p>
+            <a:pPr algn="ctr"/>
+            <a:r>
+              <a:rPr lang="en-US" dirty="0"/>
+              <a:t>Take 2</a:t>
+            </a:r>
+          </a:p>
+          <a:p>
+            <a:pPr algn="ctr"/>
+            <a:r>
+              <a:rPr lang="en-US" dirty="0"/>
+              <a:t>N = 387</a:t>
+            </a:r>
+          </a:p>
+        </p:txBody>
+      </p:sp>
+      <p:pic>
+        <p:nvPicPr>
+          <p:cNvPr id="3" name="Picture 2">
+            <a:extLst>
+              <a:ext uri="{FF2B5EF4-FFF2-40B4-BE49-F238E27FC236}">
+                <a16:creationId xmlns:a16="http://schemas.microsoft.com/office/drawing/2014/main" id="{AF4081E8-06BE-43F4-A655-D29AF110A74C}"/>
+              </a:ext>
+            </a:extLst>
+          </p:cNvPr>
+          <p:cNvPicPr>
+            <a:picLocks noChangeAspect="1"/>
+          </p:cNvPicPr>
+          <p:nvPr/>
+        </p:nvPicPr>
+        <p:blipFill>
+          <a:blip r:embed="rId2"/>
+          <a:stretch>
+            <a:fillRect/>
+          </a:stretch>
+        </p:blipFill>
+        <p:spPr>
+          <a:xfrm>
+            <a:off x="61855" y="2294789"/>
+            <a:ext cx="4141680" cy="1971612"/>
+          </a:xfrm>
+          <a:prstGeom prst="rect">
+            <a:avLst/>
+          </a:prstGeom>
+        </p:spPr>
+      </p:pic>
+      <p:pic>
+        <p:nvPicPr>
+          <p:cNvPr id="7" name="Picture 6">
+            <a:extLst>
+              <a:ext uri="{FF2B5EF4-FFF2-40B4-BE49-F238E27FC236}">
+                <a16:creationId xmlns:a16="http://schemas.microsoft.com/office/drawing/2014/main" id="{EAE49728-A75D-41AF-96E2-66FF521E6B95}"/>
+              </a:ext>
+            </a:extLst>
+          </p:cNvPr>
+          <p:cNvPicPr>
+            <a:picLocks noChangeAspect="1"/>
+          </p:cNvPicPr>
+          <p:nvPr/>
+        </p:nvPicPr>
+        <p:blipFill>
+          <a:blip r:embed="rId3"/>
+          <a:stretch>
+            <a:fillRect/>
+          </a:stretch>
+        </p:blipFill>
+        <p:spPr>
+          <a:xfrm>
+            <a:off x="7988467" y="2246765"/>
+            <a:ext cx="3965299" cy="2036335"/>
+          </a:xfrm>
+          <a:prstGeom prst="rect">
+            <a:avLst/>
+          </a:prstGeom>
+        </p:spPr>
+      </p:pic>
+      <p:pic>
+        <p:nvPicPr>
+          <p:cNvPr id="8" name="Picture 7">
+            <a:extLst>
+              <a:ext uri="{FF2B5EF4-FFF2-40B4-BE49-F238E27FC236}">
+                <a16:creationId xmlns:a16="http://schemas.microsoft.com/office/drawing/2014/main" id="{FC4D5B69-05CE-468D-8E12-E19BCC461A7C}"/>
+              </a:ext>
+            </a:extLst>
+          </p:cNvPr>
+          <p:cNvPicPr>
+            <a:picLocks noChangeAspect="1"/>
+          </p:cNvPicPr>
+          <p:nvPr/>
+        </p:nvPicPr>
+        <p:blipFill>
+          <a:blip r:embed="rId4"/>
+          <a:stretch>
+            <a:fillRect/>
+          </a:stretch>
+        </p:blipFill>
+        <p:spPr>
+          <a:xfrm>
+            <a:off x="3888898" y="2264929"/>
+            <a:ext cx="4267130" cy="2031331"/>
+          </a:xfrm>
+          <a:prstGeom prst="rect">
+            <a:avLst/>
+          </a:prstGeom>
+        </p:spPr>
+      </p:pic>
+    </p:spTree>
+    <p:extLst>
+      <p:ext uri="{BB962C8B-B14F-4D97-AF65-F5344CB8AC3E}">
+        <p14:creationId xmlns:p14="http://schemas.microsoft.com/office/powerpoint/2010/main" val="2488057888"/>
+      </p:ext>
+    </p:extLst>
+  </p:cSld>
+  <p:clrMapOvr>
+    <a:masterClrMapping/>
+  </p:clrMapOvr>
+</p:sld>
+</file>
+
+<file path=ppt/slides/slide15.xml><?xml version="1.0" encoding="utf-8"?>
+<p:sld xmlns:a="http://schemas.openxmlformats.org/drawingml/2006/main" xmlns:r="http://schemas.openxmlformats.org/officeDocument/2006/relationships" xmlns:p="http://schemas.openxmlformats.org/presentationml/2006/main">
+  <p:cSld>
+    <p:spTree>
+      <p:nvGrpSpPr>
+        <p:cNvPr id="1" name=""/>
+        <p:cNvGrpSpPr/>
+        <p:nvPr/>
+      </p:nvGrpSpPr>
+      <p:grpSpPr>
+        <a:xfrm>
+          <a:off x="0" y="0"/>
+          <a:ext cx="0" cy="0"/>
+          <a:chOff x="0" y="0"/>
+          <a:chExt cx="0" cy="0"/>
+        </a:xfrm>
+      </p:grpSpPr>
+      <p:sp>
+        <p:nvSpPr>
+          <p:cNvPr id="2" name="Title 1">
+            <a:extLst>
+              <a:ext uri="{FF2B5EF4-FFF2-40B4-BE49-F238E27FC236}">
                 <a16:creationId xmlns:a16="http://schemas.microsoft.com/office/drawing/2014/main" id="{784AA382-9C63-4AFC-BEAB-00C6F45A215A}"/>
               </a:ext>
             </a:extLst>
@@ -6156,8 +7234,23 @@
         </p:nvSpPr>
         <p:spPr/>
         <p:txBody>
-          <a:bodyPr/>
-          <a:lstStyle/>
+          <a:bodyPr>
+            <a:normAutofit lnSpcReduction="10000"/>
+          </a:bodyPr>
+          <a:lstStyle/>
+          <a:p>
+            <a:r>
+              <a:rPr lang="en-US" dirty="0"/>
+              <a:t>Graph</a:t>
+            </a:r>
+          </a:p>
+          <a:p>
+            <a:pPr lvl="1"/>
+            <a:r>
+              <a:rPr lang="en-US" dirty="0"/>
+              <a:t>Directional edges</a:t>
+            </a:r>
+          </a:p>
           <a:p>
             <a:r>
               <a:rPr lang="en-US" dirty="0"/>
@@ -10270,21 +11363,21 @@
             <a:pPr algn="ctr"/>
             <a:r>
               <a:rPr lang="en-US" dirty="0"/>
-              <a:t>Take 2</a:t>
+              <a:t>Take 3</a:t>
             </a:r>
           </a:p>
           <a:p>
             <a:pPr algn="ctr"/>
             <a:r>
               <a:rPr lang="en-US" dirty="0"/>
-              <a:t>N =</a:t>
+              <a:t>N = 5598</a:t>
             </a:r>
           </a:p>
           <a:p>
             <a:pPr algn="ctr"/>
             <a:r>
               <a:rPr lang="en-US" dirty="0"/>
-              <a:t>Edges =</a:t>
+              <a:t>Edges = 6016</a:t>
             </a:r>
           </a:p>
         </p:txBody>
@@ -10327,18 +11420,108 @@
             <a:pPr algn="ctr"/>
             <a:r>
               <a:rPr lang="en-US" dirty="0"/>
-              <a:t>N = </a:t>
+              <a:t>N = 39734</a:t>
             </a:r>
           </a:p>
           <a:p>
             <a:pPr algn="ctr"/>
             <a:r>
               <a:rPr lang="en-US" dirty="0"/>
-              <a:t>Edges = </a:t>
-            </a:r>
-          </a:p>
-        </p:txBody>
-      </p:sp>
+              <a:t>Edges = 59836</a:t>
+            </a:r>
+          </a:p>
+        </p:txBody>
+      </p:sp>
+      <p:pic>
+        <p:nvPicPr>
+          <p:cNvPr id="3" name="Picture 2">
+            <a:extLst>
+              <a:ext uri="{FF2B5EF4-FFF2-40B4-BE49-F238E27FC236}">
+                <a16:creationId xmlns:a16="http://schemas.microsoft.com/office/drawing/2014/main" id="{1D2DF3F6-E23F-4FB4-95D4-BB4DE69904F2}"/>
+              </a:ext>
+            </a:extLst>
+          </p:cNvPr>
+          <p:cNvPicPr>
+            <a:picLocks noChangeAspect="1"/>
+          </p:cNvPicPr>
+          <p:nvPr/>
+        </p:nvPicPr>
+        <p:blipFill>
+          <a:blip r:embed="rId2"/>
+          <a:stretch>
+            <a:fillRect/>
+          </a:stretch>
+        </p:blipFill>
+        <p:spPr>
+          <a:xfrm>
+            <a:off x="762837" y="1969908"/>
+            <a:ext cx="3542902" cy="2365429"/>
+          </a:xfrm>
+          <a:prstGeom prst="rect">
+            <a:avLst/>
+          </a:prstGeom>
+        </p:spPr>
+      </p:pic>
+      <p:pic>
+        <p:nvPicPr>
+          <p:cNvPr id="7" name="Picture 6">
+            <a:extLst>
+              <a:ext uri="{FF2B5EF4-FFF2-40B4-BE49-F238E27FC236}">
+                <a16:creationId xmlns:a16="http://schemas.microsoft.com/office/drawing/2014/main" id="{F99488E7-8B91-4CEA-AE80-2C6FBAFC126F}"/>
+              </a:ext>
+            </a:extLst>
+          </p:cNvPr>
+          <p:cNvPicPr>
+            <a:picLocks noChangeAspect="1"/>
+          </p:cNvPicPr>
+          <p:nvPr/>
+        </p:nvPicPr>
+        <p:blipFill>
+          <a:blip r:embed="rId3"/>
+          <a:stretch>
+            <a:fillRect/>
+          </a:stretch>
+        </p:blipFill>
+        <p:spPr>
+          <a:xfrm>
+            <a:off x="4305739" y="1957607"/>
+            <a:ext cx="3513958" cy="2390029"/>
+          </a:xfrm>
+          <a:prstGeom prst="rect">
+            <a:avLst/>
+          </a:prstGeom>
+        </p:spPr>
+      </p:pic>
+      <p:pic>
+        <p:nvPicPr>
+          <p:cNvPr id="8" name="Picture 7">
+            <a:extLst>
+              <a:ext uri="{FF2B5EF4-FFF2-40B4-BE49-F238E27FC236}">
+                <a16:creationId xmlns:a16="http://schemas.microsoft.com/office/drawing/2014/main" id="{960E4C12-DA80-4C27-9CF4-E15AC4627C52}"/>
+              </a:ext>
+            </a:extLst>
+          </p:cNvPr>
+          <p:cNvPicPr>
+            <a:picLocks noChangeAspect="1"/>
+          </p:cNvPicPr>
+          <p:nvPr/>
+        </p:nvPicPr>
+        <p:blipFill>
+          <a:blip r:embed="rId4"/>
+          <a:stretch>
+            <a:fillRect/>
+          </a:stretch>
+        </p:blipFill>
+        <p:spPr>
+          <a:xfrm>
+            <a:off x="7848642" y="1967398"/>
+            <a:ext cx="3166200" cy="2390029"/>
+          </a:xfrm>
+          <a:prstGeom prst="rect">
+            <a:avLst/>
+          </a:prstGeom>
+        </p:spPr>
+      </p:pic>
     </p:spTree>
     <p:extLst>
       <p:ext uri="{BB962C8B-B14F-4D97-AF65-F5344CB8AC3E}">
